--- a/2019 DOCS/Lecture One.pptx
+++ b/2019 DOCS/Lecture One.pptx
@@ -7,7 +7,6 @@
   <p:sldIdLst>
     <p:sldId id="256" r:id="rId2"/>
     <p:sldId id="257" r:id="rId3"/>
-    <p:sldId id="258" r:id="rId4"/>
   </p:sldIdLst>
   <p:sldSz cx="12192000" cy="6858000"/>
   <p:notesSz cx="6858000" cy="9144000"/>
@@ -106,6 +105,11 @@
       </a:defRPr>
     </a:lvl9pPr>
   </p:defaultTextStyle>
+  <p:extLst>
+    <p:ext uri="{EFAFB233-063F-42B5-8137-9DF3F51BA10A}">
+      <p15:sldGuideLst xmlns:p15="http://schemas.microsoft.com/office/powerpoint/2012/main"/>
+    </p:ext>
+  </p:extLst>
 </p:presentation>
 </file>
 
@@ -831,7 +835,7 @@
           <a:p>
             <a:fld id="{EDF326E3-D6AE-4DEF-A255-54540DE45762}" type="datetimeFigureOut">
               <a:rPr lang="en-US" smtClean="0"/>
-              <a:t>6/9/2019</a:t>
+              <a:t>6/13/2019</a:t>
             </a:fld>
             <a:endParaRPr lang="en-US"/>
           </a:p>
@@ -1082,7 +1086,7 @@
           <a:p>
             <a:fld id="{EDF326E3-D6AE-4DEF-A255-54540DE45762}" type="datetimeFigureOut">
               <a:rPr lang="en-US" smtClean="0"/>
-              <a:t>6/9/2019</a:t>
+              <a:t>6/13/2019</a:t>
             </a:fld>
             <a:endParaRPr lang="en-US"/>
           </a:p>
@@ -1396,7 +1400,7 @@
           <a:p>
             <a:fld id="{EDF326E3-D6AE-4DEF-A255-54540DE45762}" type="datetimeFigureOut">
               <a:rPr lang="en-US" smtClean="0"/>
-              <a:t>6/9/2019</a:t>
+              <a:t>6/13/2019</a:t>
             </a:fld>
             <a:endParaRPr lang="en-US"/>
           </a:p>
@@ -1737,7 +1741,7 @@
           <a:p>
             <a:fld id="{EDF326E3-D6AE-4DEF-A255-54540DE45762}" type="datetimeFigureOut">
               <a:rPr lang="en-US" smtClean="0"/>
-              <a:t>6/9/2019</a:t>
+              <a:t>6/13/2019</a:t>
             </a:fld>
             <a:endParaRPr lang="en-US"/>
           </a:p>
@@ -2051,7 +2055,7 @@
           <a:p>
             <a:fld id="{EDF326E3-D6AE-4DEF-A255-54540DE45762}" type="datetimeFigureOut">
               <a:rPr lang="en-US" smtClean="0"/>
-              <a:t>6/9/2019</a:t>
+              <a:t>6/13/2019</a:t>
             </a:fld>
             <a:endParaRPr lang="en-US"/>
           </a:p>
@@ -2444,7 +2448,7 @@
           <a:p>
             <a:fld id="{EDF326E3-D6AE-4DEF-A255-54540DE45762}" type="datetimeFigureOut">
               <a:rPr lang="en-US" smtClean="0"/>
-              <a:t>6/9/2019</a:t>
+              <a:t>6/13/2019</a:t>
             </a:fld>
             <a:endParaRPr lang="en-US"/>
           </a:p>
@@ -2614,7 +2618,7 @@
           <a:p>
             <a:fld id="{EDF326E3-D6AE-4DEF-A255-54540DE45762}" type="datetimeFigureOut">
               <a:rPr lang="en-US" smtClean="0"/>
-              <a:t>6/9/2019</a:t>
+              <a:t>6/13/2019</a:t>
             </a:fld>
             <a:endParaRPr lang="en-US"/>
           </a:p>
@@ -2794,7 +2798,7 @@
           <a:p>
             <a:fld id="{EDF326E3-D6AE-4DEF-A255-54540DE45762}" type="datetimeFigureOut">
               <a:rPr lang="en-US" smtClean="0"/>
-              <a:t>6/9/2019</a:t>
+              <a:t>6/13/2019</a:t>
             </a:fld>
             <a:endParaRPr lang="en-US"/>
           </a:p>
@@ -2970,7 +2974,7 @@
           <a:p>
             <a:fld id="{EDF326E3-D6AE-4DEF-A255-54540DE45762}" type="datetimeFigureOut">
               <a:rPr lang="en-US" smtClean="0"/>
-              <a:t>6/9/2019</a:t>
+              <a:t>6/13/2019</a:t>
             </a:fld>
             <a:endParaRPr lang="en-US"/>
           </a:p>
@@ -3217,7 +3221,7 @@
           <a:p>
             <a:fld id="{EDF326E3-D6AE-4DEF-A255-54540DE45762}" type="datetimeFigureOut">
               <a:rPr lang="en-US" smtClean="0"/>
-              <a:t>6/9/2019</a:t>
+              <a:t>6/13/2019</a:t>
             </a:fld>
             <a:endParaRPr lang="en-US"/>
           </a:p>
@@ -3449,7 +3453,7 @@
           <a:p>
             <a:fld id="{EDF326E3-D6AE-4DEF-A255-54540DE45762}" type="datetimeFigureOut">
               <a:rPr lang="en-US" smtClean="0"/>
-              <a:t>6/9/2019</a:t>
+              <a:t>6/13/2019</a:t>
             </a:fld>
             <a:endParaRPr lang="en-US"/>
           </a:p>
@@ -3823,7 +3827,7 @@
           <a:p>
             <a:fld id="{EDF326E3-D6AE-4DEF-A255-54540DE45762}" type="datetimeFigureOut">
               <a:rPr lang="en-US" smtClean="0"/>
-              <a:t>6/9/2019</a:t>
+              <a:t>6/13/2019</a:t>
             </a:fld>
             <a:endParaRPr lang="en-US"/>
           </a:p>
@@ -3946,7 +3950,7 @@
           <a:p>
             <a:fld id="{EDF326E3-D6AE-4DEF-A255-54540DE45762}" type="datetimeFigureOut">
               <a:rPr lang="en-US" smtClean="0"/>
-              <a:t>6/9/2019</a:t>
+              <a:t>6/13/2019</a:t>
             </a:fld>
             <a:endParaRPr lang="en-US"/>
           </a:p>
@@ -4041,7 +4045,7 @@
           <a:p>
             <a:fld id="{EDF326E3-D6AE-4DEF-A255-54540DE45762}" type="datetimeFigureOut">
               <a:rPr lang="en-US" smtClean="0"/>
-              <a:t>6/9/2019</a:t>
+              <a:t>6/13/2019</a:t>
             </a:fld>
             <a:endParaRPr lang="en-US"/>
           </a:p>
@@ -4296,7 +4300,7 @@
           <a:p>
             <a:fld id="{EDF326E3-D6AE-4DEF-A255-54540DE45762}" type="datetimeFigureOut">
               <a:rPr lang="en-US" smtClean="0"/>
-              <a:t>6/9/2019</a:t>
+              <a:t>6/13/2019</a:t>
             </a:fld>
             <a:endParaRPr lang="en-US"/>
           </a:p>
@@ -4559,7 +4563,7 @@
           <a:p>
             <a:fld id="{EDF326E3-D6AE-4DEF-A255-54540DE45762}" type="datetimeFigureOut">
               <a:rPr lang="en-US" smtClean="0"/>
-              <a:t>6/9/2019</a:t>
+              <a:t>6/13/2019</a:t>
             </a:fld>
             <a:endParaRPr lang="en-US"/>
           </a:p>
@@ -5302,7 +5306,7 @@
           <a:p>
             <a:fld id="{EDF326E3-D6AE-4DEF-A255-54540DE45762}" type="datetimeFigureOut">
               <a:rPr lang="en-US" smtClean="0"/>
-              <a:t>6/9/2019</a:t>
+              <a:t>6/13/2019</a:t>
             </a:fld>
             <a:endParaRPr lang="en-US"/>
           </a:p>
@@ -6036,86 +6040,6 @@
 </p:sld>
 </file>
 
-<file path=ppt/slides/slide3.xml><?xml version="1.0" encoding="utf-8"?>
-<p:sld xmlns:a="http://schemas.openxmlformats.org/drawingml/2006/main" xmlns:r="http://schemas.openxmlformats.org/officeDocument/2006/relationships" xmlns:p="http://schemas.openxmlformats.org/presentationml/2006/main">
-  <p:cSld>
-    <p:spTree>
-      <p:nvGrpSpPr>
-        <p:cNvPr id="1" name=""/>
-        <p:cNvGrpSpPr/>
-        <p:nvPr/>
-      </p:nvGrpSpPr>
-      <p:grpSpPr>
-        <a:xfrm>
-          <a:off x="0" y="0"/>
-          <a:ext cx="0" cy="0"/>
-          <a:chOff x="0" y="0"/>
-          <a:chExt cx="0" cy="0"/>
-        </a:xfrm>
-      </p:grpSpPr>
-      <p:sp>
-        <p:nvSpPr>
-          <p:cNvPr id="2" name="Title 1">
-            <a:extLst>
-              <a:ext uri="{FF2B5EF4-FFF2-40B4-BE49-F238E27FC236}">
-                <a16:creationId xmlns:a16="http://schemas.microsoft.com/office/drawing/2014/main" id="{78E96FBD-4197-4DF6-8124-316AEE328CEC}"/>
-              </a:ext>
-            </a:extLst>
-          </p:cNvPr>
-          <p:cNvSpPr>
-            <a:spLocks noGrp="1"/>
-          </p:cNvSpPr>
-          <p:nvPr>
-            <p:ph type="title"/>
-          </p:nvPr>
-        </p:nvSpPr>
-        <p:spPr/>
-        <p:txBody>
-          <a:bodyPr/>
-          <a:lstStyle/>
-          <a:p>
-            <a:endParaRPr lang="en-US"/>
-          </a:p>
-        </p:txBody>
-      </p:sp>
-      <p:sp>
-        <p:nvSpPr>
-          <p:cNvPr id="3" name="Content Placeholder 2">
-            <a:extLst>
-              <a:ext uri="{FF2B5EF4-FFF2-40B4-BE49-F238E27FC236}">
-                <a16:creationId xmlns:a16="http://schemas.microsoft.com/office/drawing/2014/main" id="{AA0B63C3-8E0C-4D8B-9D62-E61DF526298A}"/>
-              </a:ext>
-            </a:extLst>
-          </p:cNvPr>
-          <p:cNvSpPr>
-            <a:spLocks noGrp="1"/>
-          </p:cNvSpPr>
-          <p:nvPr>
-            <p:ph idx="1"/>
-          </p:nvPr>
-        </p:nvSpPr>
-        <p:spPr/>
-        <p:txBody>
-          <a:bodyPr/>
-          <a:lstStyle/>
-          <a:p>
-            <a:endParaRPr lang="en-US"/>
-          </a:p>
-        </p:txBody>
-      </p:sp>
-    </p:spTree>
-    <p:extLst>
-      <p:ext uri="{BB962C8B-B14F-4D97-AF65-F5344CB8AC3E}">
-        <p14:creationId xmlns:p14="http://schemas.microsoft.com/office/powerpoint/2010/main" val="3884865978"/>
-      </p:ext>
-    </p:extLst>
-  </p:cSld>
-  <p:clrMapOvr>
-    <a:masterClrMapping/>
-  </p:clrMapOvr>
-</p:sld>
-</file>
-
 <file path=ppt/theme/theme1.xml><?xml version="1.0" encoding="utf-8"?>
 <a:theme xmlns:a="http://schemas.openxmlformats.org/drawingml/2006/main" name="Facet">
   <a:themeElements>
